--- a/figures/figures.pptx
+++ b/figures/figures.pptx
@@ -21,8 +21,9 @@
     <p:sldId id="261" r:id="rId15"/>
     <p:sldId id="258" r:id="rId16"/>
     <p:sldId id="267" r:id="rId17"/>
-    <p:sldId id="268" r:id="rId18"/>
-    <p:sldId id="269" r:id="rId19"/>
+    <p:sldId id="275" r:id="rId18"/>
+    <p:sldId id="268" r:id="rId19"/>
+    <p:sldId id="269" r:id="rId20"/>
   </p:sldIdLst>
   <p:sldSz cx="9144000" cy="6858000" type="screen4x3"/>
   <p:notesSz cx="6858000" cy="9144000"/>
@@ -305,7 +306,7 @@
           <a:p>
             <a:fld id="{356CFFB6-0779-2A4B-A45F-67AB7124580F}" type="datetimeFigureOut">
               <a:rPr lang="en-US" smtClean="0"/>
-              <a:t>7/18/12</a:t>
+              <a:t>3/13/13</a:t>
             </a:fld>
             <a:endParaRPr lang="en-US"/>
           </a:p>
@@ -475,7 +476,7 @@
           <a:p>
             <a:fld id="{356CFFB6-0779-2A4B-A45F-67AB7124580F}" type="datetimeFigureOut">
               <a:rPr lang="en-US" smtClean="0"/>
-              <a:t>7/18/12</a:t>
+              <a:t>3/13/13</a:t>
             </a:fld>
             <a:endParaRPr lang="en-US"/>
           </a:p>
@@ -655,7 +656,7 @@
           <a:p>
             <a:fld id="{356CFFB6-0779-2A4B-A45F-67AB7124580F}" type="datetimeFigureOut">
               <a:rPr lang="en-US" smtClean="0"/>
-              <a:t>7/18/12</a:t>
+              <a:t>3/13/13</a:t>
             </a:fld>
             <a:endParaRPr lang="en-US"/>
           </a:p>
@@ -825,7 +826,7 @@
           <a:p>
             <a:fld id="{356CFFB6-0779-2A4B-A45F-67AB7124580F}" type="datetimeFigureOut">
               <a:rPr lang="en-US" smtClean="0"/>
-              <a:t>7/18/12</a:t>
+              <a:t>3/13/13</a:t>
             </a:fld>
             <a:endParaRPr lang="en-US"/>
           </a:p>
@@ -1071,7 +1072,7 @@
           <a:p>
             <a:fld id="{356CFFB6-0779-2A4B-A45F-67AB7124580F}" type="datetimeFigureOut">
               <a:rPr lang="en-US" smtClean="0"/>
-              <a:t>7/18/12</a:t>
+              <a:t>3/13/13</a:t>
             </a:fld>
             <a:endParaRPr lang="en-US"/>
           </a:p>
@@ -1359,7 +1360,7 @@
           <a:p>
             <a:fld id="{356CFFB6-0779-2A4B-A45F-67AB7124580F}" type="datetimeFigureOut">
               <a:rPr lang="en-US" smtClean="0"/>
-              <a:t>7/18/12</a:t>
+              <a:t>3/13/13</a:t>
             </a:fld>
             <a:endParaRPr lang="en-US"/>
           </a:p>
@@ -1781,7 +1782,7 @@
           <a:p>
             <a:fld id="{356CFFB6-0779-2A4B-A45F-67AB7124580F}" type="datetimeFigureOut">
               <a:rPr lang="en-US" smtClean="0"/>
-              <a:t>7/18/12</a:t>
+              <a:t>3/13/13</a:t>
             </a:fld>
             <a:endParaRPr lang="en-US"/>
           </a:p>
@@ -1899,7 +1900,7 @@
           <a:p>
             <a:fld id="{356CFFB6-0779-2A4B-A45F-67AB7124580F}" type="datetimeFigureOut">
               <a:rPr lang="en-US" smtClean="0"/>
-              <a:t>7/18/12</a:t>
+              <a:t>3/13/13</a:t>
             </a:fld>
             <a:endParaRPr lang="en-US"/>
           </a:p>
@@ -1994,7 +1995,7 @@
           <a:p>
             <a:fld id="{356CFFB6-0779-2A4B-A45F-67AB7124580F}" type="datetimeFigureOut">
               <a:rPr lang="en-US" smtClean="0"/>
-              <a:t>7/18/12</a:t>
+              <a:t>3/13/13</a:t>
             </a:fld>
             <a:endParaRPr lang="en-US"/>
           </a:p>
@@ -2271,7 +2272,7 @@
           <a:p>
             <a:fld id="{356CFFB6-0779-2A4B-A45F-67AB7124580F}" type="datetimeFigureOut">
               <a:rPr lang="en-US" smtClean="0"/>
-              <a:t>7/18/12</a:t>
+              <a:t>3/13/13</a:t>
             </a:fld>
             <a:endParaRPr lang="en-US"/>
           </a:p>
@@ -2524,7 +2525,7 @@
           <a:p>
             <a:fld id="{356CFFB6-0779-2A4B-A45F-67AB7124580F}" type="datetimeFigureOut">
               <a:rPr lang="en-US" smtClean="0"/>
-              <a:t>7/18/12</a:t>
+              <a:t>3/13/13</a:t>
             </a:fld>
             <a:endParaRPr lang="en-US"/>
           </a:p>
@@ -2737,7 +2738,7 @@
           <a:p>
             <a:fld id="{356CFFB6-0779-2A4B-A45F-67AB7124580F}" type="datetimeFigureOut">
               <a:rPr lang="en-US" smtClean="0"/>
-              <a:t>7/18/12</a:t>
+              <a:t>3/13/13</a:t>
             </a:fld>
             <a:endParaRPr lang="en-US"/>
           </a:p>
@@ -7002,14 +7003,7 @@
                 <a:latin typeface="Times"/>
                 <a:cs typeface="Times"/>
               </a:rPr>
-              <a:t> </a:t>
-            </a:r>
-            <a:r>
-              <a:rPr lang="en-US" dirty="0" smtClean="0">
-                <a:latin typeface="Times"/>
-                <a:cs typeface="Times"/>
-              </a:rPr>
-              <a:t>strategy</a:t>
+              <a:t> strategy</a:t>
             </a:r>
             <a:endParaRPr lang="en-US" dirty="0">
               <a:latin typeface="Times"/>
@@ -7304,14 +7298,7 @@
                 <a:latin typeface="Times"/>
                 <a:cs typeface="Times"/>
               </a:rPr>
-              <a:t> </a:t>
-            </a:r>
-            <a:r>
-              <a:rPr lang="en-US" dirty="0" smtClean="0">
-                <a:latin typeface="Times"/>
-                <a:cs typeface="Times"/>
-              </a:rPr>
-              <a:t>strategy</a:t>
+              <a:t> strategy</a:t>
             </a:r>
             <a:endParaRPr lang="en-US" dirty="0">
               <a:latin typeface="Times"/>
@@ -7368,14 +7355,7 @@
                 <a:latin typeface="Times"/>
                 <a:cs typeface="Times"/>
               </a:rPr>
-              <a:t> </a:t>
-            </a:r>
-            <a:r>
-              <a:rPr lang="en-US" dirty="0" smtClean="0">
-                <a:latin typeface="Times"/>
-                <a:cs typeface="Times"/>
-              </a:rPr>
-              <a:t>strategy</a:t>
+              <a:t> strategy</a:t>
             </a:r>
             <a:endParaRPr lang="en-US" dirty="0">
               <a:latin typeface="Times"/>
@@ -7425,14 +7405,7 @@
                 <a:latin typeface="Times"/>
                 <a:cs typeface="Times"/>
               </a:rPr>
-              <a:t> </a:t>
-            </a:r>
-            <a:r>
-              <a:rPr lang="en-US" dirty="0" smtClean="0">
-                <a:latin typeface="Times"/>
-                <a:cs typeface="Times"/>
-              </a:rPr>
-              <a:t>strategy</a:t>
+              <a:t> strategy</a:t>
             </a:r>
             <a:endParaRPr lang="en-US" dirty="0">
               <a:latin typeface="Times"/>
@@ -10406,6 +10379,176 @@
           <a:chExt cx="0" cy="0"/>
         </a:xfrm>
       </p:grpSpPr>
+      <p:sp>
+        <p:nvSpPr>
+          <p:cNvPr id="2" name="Title 1"/>
+          <p:cNvSpPr>
+            <a:spLocks noGrp="1"/>
+          </p:cNvSpPr>
+          <p:nvPr>
+            <p:ph type="title"/>
+          </p:nvPr>
+        </p:nvSpPr>
+        <p:spPr/>
+        <p:txBody>
+          <a:bodyPr/>
+          <a:lstStyle/>
+          <a:p>
+            <a:endParaRPr lang="en-US"/>
+          </a:p>
+        </p:txBody>
+      </p:sp>
+      <p:sp>
+        <p:nvSpPr>
+          <p:cNvPr id="3" name="Content Placeholder 2"/>
+          <p:cNvSpPr>
+            <a:spLocks noGrp="1"/>
+          </p:cNvSpPr>
+          <p:nvPr>
+            <p:ph idx="1"/>
+          </p:nvPr>
+        </p:nvSpPr>
+        <p:spPr/>
+        <p:txBody>
+          <a:bodyPr>
+            <a:normAutofit fontScale="85000" lnSpcReduction="20000"/>
+          </a:bodyPr>
+          <a:lstStyle/>
+          <a:p>
+            <a:r>
+              <a:rPr lang="en-US" dirty="0" smtClean="0"/>
+              <a:t>Get to the point with </a:t>
+            </a:r>
+            <a:r>
+              <a:rPr lang="en-US" dirty="0" err="1" smtClean="0"/>
+              <a:t>lsst</a:t>
+            </a:r>
+            <a:endParaRPr lang="en-US" dirty="0" smtClean="0"/>
+          </a:p>
+          <a:p>
+            <a:pPr lvl="1"/>
+            <a:r>
+              <a:rPr lang="en-US" dirty="0" smtClean="0"/>
+              <a:t>Detect stars</a:t>
+            </a:r>
+          </a:p>
+          <a:p>
+            <a:pPr lvl="1"/>
+            <a:r>
+              <a:rPr lang="en-US" dirty="0" smtClean="0"/>
+              <a:t>Clean out cosmic rays, convolve the data </a:t>
+            </a:r>
+            <a:r>
+              <a:rPr lang="en-US" dirty="0" err="1" smtClean="0"/>
+              <a:t>etc</a:t>
+            </a:r>
+            <a:endParaRPr lang="en-US" dirty="0" smtClean="0"/>
+          </a:p>
+          <a:p>
+            <a:pPr lvl="1"/>
+            <a:r>
+              <a:rPr lang="en-US" dirty="0" smtClean="0"/>
+              <a:t>Lots of images every night, which ones?</a:t>
+            </a:r>
+          </a:p>
+          <a:p>
+            <a:r>
+              <a:rPr lang="en-US" dirty="0" smtClean="0"/>
+              <a:t>Want to debug or understand where results come from</a:t>
+            </a:r>
+          </a:p>
+          <a:p>
+            <a:r>
+              <a:rPr lang="en-US" dirty="0" smtClean="0"/>
+              <a:t>Describe the desired provenance</a:t>
+            </a:r>
+          </a:p>
+          <a:p>
+            <a:pPr lvl="1"/>
+            <a:r>
+              <a:rPr lang="en-US" dirty="0" smtClean="0"/>
+              <a:t>Ragged edges</a:t>
+            </a:r>
+          </a:p>
+          <a:p>
+            <a:pPr lvl="1"/>
+            <a:r>
+              <a:rPr lang="en-US" dirty="0" smtClean="0"/>
+              <a:t>Rough locations (we don’t deal with </a:t>
+            </a:r>
+            <a:r>
+              <a:rPr lang="en-US" dirty="0" err="1" smtClean="0"/>
+              <a:t>approx</a:t>
+            </a:r>
+            <a:r>
+              <a:rPr lang="en-US" dirty="0"/>
+              <a:t> </a:t>
+            </a:r>
+            <a:r>
+              <a:rPr lang="en-US" dirty="0" smtClean="0"/>
+              <a:t>here)</a:t>
+            </a:r>
+          </a:p>
+          <a:p>
+            <a:pPr lvl="1"/>
+            <a:r>
+              <a:rPr lang="en-US" dirty="0" smtClean="0"/>
+              <a:t>Just the images</a:t>
+            </a:r>
+          </a:p>
+          <a:p>
+            <a:pPr lvl="1"/>
+            <a:r>
+              <a:rPr lang="en-US" dirty="0" smtClean="0"/>
+              <a:t>Just the </a:t>
+            </a:r>
+            <a:r>
+              <a:rPr lang="en-US" dirty="0" err="1" smtClean="0"/>
+              <a:t>config</a:t>
+            </a:r>
+            <a:r>
+              <a:rPr lang="en-US" dirty="0" smtClean="0"/>
+              <a:t> of the processes</a:t>
+            </a:r>
+          </a:p>
+          <a:p>
+            <a:pPr marL="457200" lvl="1" indent="0">
+              <a:buNone/>
+            </a:pPr>
+            <a:endParaRPr lang="en-US" dirty="0"/>
+          </a:p>
+        </p:txBody>
+      </p:sp>
+    </p:spTree>
+    <p:extLst>
+      <p:ext uri="{BB962C8B-B14F-4D97-AF65-F5344CB8AC3E}">
+        <p14:creationId xmlns:p14="http://schemas.microsoft.com/office/powerpoint/2010/main" val="1485764391"/>
+      </p:ext>
+    </p:extLst>
+  </p:cSld>
+  <p:clrMapOvr>
+    <a:masterClrMapping/>
+  </p:clrMapOvr>
+</p:sld>
+</file>
+
+<file path=ppt/slides/slide18.xml><?xml version="1.0" encoding="utf-8"?>
+<p:sld xmlns:a="http://schemas.openxmlformats.org/drawingml/2006/main" xmlns:r="http://schemas.openxmlformats.org/officeDocument/2006/relationships" xmlns:p="http://schemas.openxmlformats.org/presentationml/2006/main">
+  <p:cSld>
+    <p:spTree>
+      <p:nvGrpSpPr>
+        <p:cNvPr id="1" name=""/>
+        <p:cNvGrpSpPr/>
+        <p:nvPr/>
+      </p:nvGrpSpPr>
+      <p:grpSpPr>
+        <a:xfrm>
+          <a:off x="0" y="0"/>
+          <a:ext cx="0" cy="0"/>
+          <a:chOff x="0" y="0"/>
+          <a:chExt cx="0" cy="0"/>
+        </a:xfrm>
+      </p:grpSpPr>
       <p:cxnSp>
         <p:nvCxnSpPr>
           <p:cNvPr id="129" name="Straight Connector 128"/>
@@ -12055,10 +12198,17 @@
   <p:clrMapOvr>
     <a:masterClrMapping/>
   </p:clrMapOvr>
+  <p:timing>
+    <p:tnLst>
+      <p:par>
+        <p:cTn xmlns:p14="http://schemas.microsoft.com/office/powerpoint/2010/main" id="1" dur="indefinite" restart="never" nodeType="tmRoot"/>
+      </p:par>
+    </p:tnLst>
+  </p:timing>
 </p:sld>
 </file>
 
-<file path=ppt/slides/slide18.xml><?xml version="1.0" encoding="utf-8"?>
+<file path=ppt/slides/slide19.xml><?xml version="1.0" encoding="utf-8"?>
 <p:sld xmlns:a="http://schemas.openxmlformats.org/drawingml/2006/main" xmlns:r="http://schemas.openxmlformats.org/officeDocument/2006/relationships" xmlns:p="http://schemas.openxmlformats.org/presentationml/2006/main">
   <p:cSld>
     <p:spTree>
